--- a/Perl/2015-01-07_Perl2.pptx
+++ b/Perl/2015-01-07_Perl2.pptx
@@ -237,7 +237,7 @@
           <a:p>
             <a:fld id="{7054A09C-A134-EC40-B723-C60DAFAF6BB1}" type="datetimeFigureOut">
               <a:rPr lang="en-US" smtClean="0"/>
-              <a:t>07/01/15</a:t>
+              <a:t>16/01/15</a:t>
             </a:fld>
             <a:endParaRPr lang="en-US"/>
           </a:p>
@@ -2960,23 +2960,7 @@
                   <a:srgbClr val="334B7B"/>
                 </a:solidFill>
               </a:rPr>
-              <a:t>] – match </a:t>
-            </a:r>
-            <a:r>
-              <a:rPr lang="en-US" dirty="0" smtClean="0">
-                <a:solidFill>
-                  <a:srgbClr val="334B7B"/>
-                </a:solidFill>
-              </a:rPr>
-              <a:t>something </a:t>
-            </a:r>
-            <a:r>
-              <a:rPr lang="en-US" dirty="0" smtClean="0">
-                <a:solidFill>
-                  <a:srgbClr val="334B7B"/>
-                </a:solidFill>
-              </a:rPr>
-              <a:t>except </a:t>
+              <a:t>] – match something except </a:t>
             </a:r>
             <a:r>
               <a:rPr lang="en-US" dirty="0">
@@ -7577,15 +7561,7 @@
             </a:r>
             <a:r>
               <a:rPr lang="en-US" dirty="0" smtClean="0"/>
-              <a:t>phone</a:t>
-            </a:r>
-            <a:r>
-              <a:rPr lang="en-US" dirty="0" smtClean="0"/>
-              <a:t>: 353</a:t>
-            </a:r>
-            <a:r>
-              <a:rPr lang="en-US" dirty="0" smtClean="0"/>
-              <a:t>-7236</a:t>
+              <a:t>phone: 353-7236</a:t>
             </a:r>
             <a:r>
               <a:rPr lang="ja-JP" altLang="en-US" dirty="0" smtClean="0">
@@ -7595,15 +7571,7 @@
             </a:r>
             <a:r>
               <a:rPr lang="en-US" dirty="0" smtClean="0"/>
-              <a:t> =~ /</a:t>
-            </a:r>
-            <a:r>
-              <a:rPr lang="en-US" dirty="0" smtClean="0"/>
-              <a:t>phone: (</a:t>
-            </a:r>
-            <a:r>
-              <a:rPr lang="en-US" dirty="0" smtClean="0"/>
-              <a:t>.+)$/;</a:t>
+              <a:t> =~ /phone: (.+)$/;</a:t>
             </a:r>
           </a:p>
           <a:p>
@@ -8063,27 +8031,7 @@
                 <a:latin typeface="Courier New"/>
                 <a:cs typeface="Courier New"/>
               </a:rPr>
-              <a:t>if ($string =~ /^</a:t>
-            </a:r>
-            <a:r>
-              <a:rPr lang="en-US" sz="2000" dirty="0" smtClean="0">
-                <a:solidFill>
-                  <a:srgbClr val="FF0000"/>
-                </a:solidFill>
-                <a:latin typeface="Courier New"/>
-                <a:cs typeface="Courier New"/>
-              </a:rPr>
-              <a:t>phone: (</a:t>
-            </a:r>
-            <a:r>
-              <a:rPr lang="en-US" sz="2000" dirty="0" smtClean="0">
-                <a:solidFill>
-                  <a:srgbClr val="FF0000"/>
-                </a:solidFill>
-                <a:latin typeface="Courier New"/>
-                <a:cs typeface="Courier New"/>
-              </a:rPr>
-              <a:t>\d{3}-\d{4})$/){</a:t>
+              <a:t>if ($string =~ /^phone: (\d{3}-\d{4})$/){</a:t>
             </a:r>
           </a:p>
           <a:p>
@@ -8460,37 +8408,7 @@
                 <a:latin typeface="Courier New"/>
                 <a:cs typeface="Courier New"/>
               </a:rPr>
-              <a:t>y (</a:t>
-            </a:r>
-            <a:r>
-              <a:rPr lang="en-US" dirty="0" smtClean="0">
-                <a:solidFill>
-                  <a:srgbClr val="FF0000"/>
-                </a:solidFill>
-                <a:latin typeface="Courier New"/>
-                <a:cs typeface="Courier New"/>
-              </a:rPr>
-              <a:t>$phone) = $value =~ /^</a:t>
-            </a:r>
-            <a:r>
-              <a:rPr lang="en-US" dirty="0" smtClean="0">
-                <a:solidFill>
-                  <a:srgbClr val="FF0000"/>
-                </a:solidFill>
-                <a:latin typeface="Courier New"/>
-                <a:cs typeface="Courier New"/>
-              </a:rPr>
-              <a:t>phone: (</a:t>
-            </a:r>
-            <a:r>
-              <a:rPr lang="en-US" dirty="0" smtClean="0">
-                <a:solidFill>
-                  <a:srgbClr val="FF0000"/>
-                </a:solidFill>
-                <a:latin typeface="Courier New"/>
-                <a:cs typeface="Courier New"/>
-              </a:rPr>
-              <a:t>.+)$/;</a:t>
+              <a:t>y ($phone) = $value =~ /^phone: (.+)$/;</a:t>
             </a:r>
           </a:p>
           <a:p>
@@ -8541,7 +8459,17 @@
                 <a:latin typeface="Courier New"/>
                 <a:cs typeface="Courier New"/>
               </a:rPr>
-              <a:t>y (</a:t>
+              <a:t>y ($</a:t>
+            </a:r>
+            <a:r>
+              <a:rPr lang="en-US" dirty="0" err="1" smtClean="0">
+                <a:solidFill>
+                  <a:srgbClr val="FF0000"/>
+                </a:solidFill>
+                <a:latin typeface="Courier New"/>
+                <a:cs typeface="Courier New"/>
+              </a:rPr>
+              <a:t>front,$back</a:t>
             </a:r>
             <a:r>
               <a:rPr lang="en-US" dirty="0" smtClean="0">
@@ -8551,47 +8479,7 @@
                 <a:latin typeface="Courier New"/>
                 <a:cs typeface="Courier New"/>
               </a:rPr>
-              <a:t>$</a:t>
-            </a:r>
-            <a:r>
-              <a:rPr lang="en-US" dirty="0" err="1" smtClean="0">
-                <a:solidFill>
-                  <a:srgbClr val="FF0000"/>
-                </a:solidFill>
-                <a:latin typeface="Courier New"/>
-                <a:cs typeface="Courier New"/>
-              </a:rPr>
-              <a:t>front,$back</a:t>
-            </a:r>
-            <a:r>
-              <a:rPr lang="en-US" dirty="0" smtClean="0">
-                <a:solidFill>
-                  <a:srgbClr val="FF0000"/>
-                </a:solidFill>
-                <a:latin typeface="Courier New"/>
-                <a:cs typeface="Courier New"/>
-              </a:rPr>
-              <a:t>) = /^</a:t>
-            </a:r>
-            <a:r>
-              <a:rPr lang="en-US" dirty="0" smtClean="0">
-                <a:solidFill>
-                  <a:srgbClr val="FF0000"/>
-                </a:solidFill>
-                <a:latin typeface="Courier New"/>
-                <a:cs typeface="Courier New"/>
-              </a:rPr>
-              <a:t>phone: (</a:t>
-            </a:r>
-            <a:r>
-              <a:rPr lang="en-US" dirty="0" smtClean="0">
-                <a:solidFill>
-                  <a:srgbClr val="FF0000"/>
-                </a:solidFill>
-                <a:latin typeface="Courier New"/>
-                <a:cs typeface="Courier New"/>
-              </a:rPr>
-              <a:t>\d{3})-(\d{4})/;</a:t>
+              <a:t>) = /^phone: (\d{3})-(\d{4})/;</a:t>
             </a:r>
           </a:p>
           <a:p>
@@ -9118,11 +9006,7 @@
             </a:r>
             <a:r>
               <a:rPr lang="en-US" dirty="0" smtClean="0"/>
-              <a:t>or</a:t>
-            </a:r>
-            <a:r>
-              <a:rPr lang="en-US" dirty="0" smtClean="0"/>
-              <a:t> </a:t>
+              <a:t>or </a:t>
             </a:r>
             <a:r>
               <a:rPr lang="en-US" dirty="0"/>
@@ -9269,12 +9153,12 @@
         <p:spPr>
           <a:xfrm>
             <a:off x="32478" y="984227"/>
-            <a:ext cx="4913051" cy="4887653"/>
+            <a:ext cx="4913051" cy="5585438"/>
           </a:xfrm>
         </p:spPr>
         <p:txBody>
           <a:bodyPr>
-            <a:normAutofit fontScale="55000" lnSpcReduction="20000"/>
+            <a:normAutofit fontScale="47500" lnSpcReduction="20000"/>
           </a:bodyPr>
           <a:lstStyle/>
           <a:p>
@@ -9508,11 +9392,11 @@
             </a:r>
             <a:r>
               <a:rPr lang="en-US" dirty="0"/>
-              <a:t>Strings that do not contain white space</a:t>
+              <a:t>Strings that do not contain white </a:t>
             </a:r>
             <a:r>
               <a:rPr lang="en-US" dirty="0" smtClean="0"/>
-              <a:t>.</a:t>
+              <a:t>space or tab or new line.</a:t>
             </a:r>
             <a:endParaRPr lang="en-US" dirty="0">
               <a:latin typeface="Courier New"/>
@@ -9771,7 +9655,56 @@
                 <a:latin typeface="Courier New"/>
                 <a:cs typeface="Courier New"/>
               </a:rPr>
-              <a:t>=~ /^\s*\w+\s*$/</a:t>
+              <a:t>=~ /^\</a:t>
+            </a:r>
+            <a:r>
+              <a:rPr lang="en-US">
+                <a:latin typeface="Courier New"/>
+                <a:cs typeface="Courier New"/>
+              </a:rPr>
+              <a:t>s</a:t>
+            </a:r>
+            <a:r>
+              <a:rPr lang="en-US" smtClean="0">
+                <a:latin typeface="Courier New"/>
+                <a:cs typeface="Courier New"/>
+              </a:rPr>
+              <a:t>*\</a:t>
+            </a:r>
+            <a:r>
+              <a:rPr lang="en-US">
+                <a:latin typeface="Courier New"/>
+                <a:cs typeface="Courier New"/>
+              </a:rPr>
+              <a:t>w</a:t>
+            </a:r>
+            <a:r>
+              <a:rPr lang="en-US" smtClean="0">
+                <a:latin typeface="Courier New"/>
+                <a:cs typeface="Courier New"/>
+              </a:rPr>
+              <a:t>+\</a:t>
+            </a:r>
+            <a:r>
+              <a:rPr lang="en-US" dirty="0">
+                <a:latin typeface="Courier New"/>
+                <a:cs typeface="Courier New"/>
+              </a:rPr>
+              <a:t>s</a:t>
+            </a:r>
+            <a:r>
+              <a:rPr lang="en-US">
+                <a:latin typeface="Courier New"/>
+                <a:cs typeface="Courier New"/>
+              </a:rPr>
+              <a:t>*</a:t>
+            </a:r>
+            <a:r>
+              <a:rPr lang="en-US" smtClean="0">
+                <a:latin typeface="Courier New"/>
+                <a:cs typeface="Courier New"/>
+              </a:rPr>
+              <a:t>$/</a:t>
             </a:r>
             <a:r>
               <a:rPr lang="en-US" dirty="0" smtClean="0">
@@ -9947,35 +9880,7 @@
                 <a:latin typeface="Courier New"/>
                 <a:cs typeface="Courier New"/>
               </a:rPr>
-              <a:t>if ($</a:t>
-            </a:r>
-            <a:r>
-              <a:rPr lang="en-US" dirty="0" smtClean="0">
-                <a:latin typeface="Courier New"/>
-                <a:cs typeface="Courier New"/>
-              </a:rPr>
-              <a:t>string4 </a:t>
-            </a:r>
-            <a:r>
-              <a:rPr lang="en-US" dirty="0">
-                <a:latin typeface="Courier New"/>
-                <a:cs typeface="Courier New"/>
-              </a:rPr>
-              <a:t>=~ /^(.).*$1$/</a:t>
-            </a:r>
-            <a:r>
-              <a:rPr lang="en-US" dirty="0" smtClean="0">
-                <a:latin typeface="Courier New"/>
-                <a:cs typeface="Courier New"/>
-              </a:rPr>
-              <a:t>)</a:t>
-            </a:r>
-            <a:r>
-              <a:rPr lang="en-US" dirty="0">
-                <a:latin typeface="Courier New"/>
-                <a:cs typeface="Courier New"/>
-              </a:rPr>
-              <a:t>{</a:t>
+              <a:t>if ($string4 =~ /^(.)/){</a:t>
             </a:r>
           </a:p>
           <a:p>
@@ -9990,21 +9895,7 @@
                 <a:latin typeface="Courier New"/>
                 <a:cs typeface="Courier New"/>
               </a:rPr>
-              <a:t>	print “string </a:t>
-            </a:r>
-            <a:r>
-              <a:rPr lang="en-US" dirty="0" smtClean="0">
-                <a:latin typeface="Courier New"/>
-                <a:cs typeface="Courier New"/>
-              </a:rPr>
-              <a:t>4 </a:t>
-            </a:r>
-            <a:r>
-              <a:rPr lang="en-US" dirty="0">
-                <a:latin typeface="Courier New"/>
-                <a:cs typeface="Courier New"/>
-              </a:rPr>
-              <a:t>– success\n”;</a:t>
+              <a:t>	my $search = $1;</a:t>
             </a:r>
           </a:p>
           <a:p>
@@ -10015,16 +9906,102 @@
               <a:buNone/>
             </a:pPr>
             <a:r>
-              <a:rPr lang="en-US" dirty="0" smtClean="0">
+              <a:rPr lang="en-US" dirty="0">
+                <a:latin typeface="Courier New"/>
+                <a:cs typeface="Courier New"/>
+              </a:rPr>
+              <a:t>	if ($string4 =~ /$search$/){</a:t>
+            </a:r>
+          </a:p>
+          <a:p>
+            <a:pPr marL="0" indent="0">
+              <a:spcBef>
+                <a:spcPts val="200"/>
+              </a:spcBef>
+              <a:buNone/>
+            </a:pPr>
+            <a:r>
+              <a:rPr lang="en-US" dirty="0">
+                <a:latin typeface="Courier New"/>
+                <a:cs typeface="Courier New"/>
+              </a:rPr>
+              <a:t>		print "string 4 – success\n";</a:t>
+            </a:r>
+          </a:p>
+          <a:p>
+            <a:pPr marL="0" indent="0">
+              <a:spcBef>
+                <a:spcPts val="200"/>
+              </a:spcBef>
+              <a:buNone/>
+            </a:pPr>
+            <a:r>
+              <a:rPr lang="en-US" dirty="0">
+                <a:latin typeface="Courier New"/>
+                <a:cs typeface="Courier New"/>
+              </a:rPr>
+              <a:t>		print "$search\n";</a:t>
+            </a:r>
+          </a:p>
+          <a:p>
+            <a:pPr marL="0" indent="0">
+              <a:spcBef>
+                <a:spcPts val="200"/>
+              </a:spcBef>
+              <a:buNone/>
+            </a:pPr>
+            <a:r>
+              <a:rPr lang="en-US" dirty="0">
+                <a:latin typeface="Courier New"/>
+                <a:cs typeface="Courier New"/>
+              </a:rPr>
+              <a:t>	}else{</a:t>
+            </a:r>
+          </a:p>
+          <a:p>
+            <a:pPr marL="0" indent="0">
+              <a:spcBef>
+                <a:spcPts val="200"/>
+              </a:spcBef>
+              <a:buNone/>
+            </a:pPr>
+            <a:r>
+              <a:rPr lang="en-US" dirty="0">
+                <a:latin typeface="Courier New"/>
+                <a:cs typeface="Courier New"/>
+              </a:rPr>
+              <a:t>		print "false\n";</a:t>
+            </a:r>
+          </a:p>
+          <a:p>
+            <a:pPr marL="0" indent="0">
+              <a:spcBef>
+                <a:spcPts val="200"/>
+              </a:spcBef>
+              <a:buNone/>
+            </a:pPr>
+            <a:r>
+              <a:rPr lang="en-US" dirty="0">
+                <a:latin typeface="Courier New"/>
+                <a:cs typeface="Courier New"/>
+              </a:rPr>
+              <a:t>	}</a:t>
+            </a:r>
+          </a:p>
+          <a:p>
+            <a:pPr marL="0" indent="0">
+              <a:spcBef>
+                <a:spcPts val="200"/>
+              </a:spcBef>
+              <a:buNone/>
+            </a:pPr>
+            <a:r>
+              <a:rPr lang="en-US" dirty="0">
                 <a:latin typeface="Courier New"/>
                 <a:cs typeface="Courier New"/>
               </a:rPr>
               <a:t>}</a:t>
             </a:r>
-            <a:endParaRPr lang="en-US" dirty="0">
-              <a:latin typeface="Courier New"/>
-              <a:cs typeface="Courier New"/>
-            </a:endParaRPr>
           </a:p>
         </p:txBody>
       </p:sp>
@@ -12600,14 +12577,7 @@
                 <a:latin typeface="Courier New" charset="0"/>
                 <a:cs typeface="+mn-cs"/>
               </a:rPr>
-              <a:t>(</a:t>
-            </a:r>
-            <a:r>
-              <a:rPr lang="en-US" dirty="0" smtClean="0">
-                <a:latin typeface="Courier New" charset="0"/>
-                <a:cs typeface="+mn-cs"/>
-              </a:rPr>
-              <a:t>/pattern/, @list);</a:t>
+              <a:t>(/pattern/, @list);</a:t>
             </a:r>
           </a:p>
           <a:p>
@@ -12671,35 +12641,7 @@
                 <a:latin typeface="Courier New" charset="0"/>
                 <a:cs typeface="+mn-cs"/>
               </a:rPr>
-              <a:t>@</a:t>
-            </a:r>
-            <a:r>
-              <a:rPr lang="en-US" dirty="0" smtClean="0">
-                <a:latin typeface="Courier New" charset="0"/>
-                <a:cs typeface="+mn-cs"/>
-              </a:rPr>
-              <a:t>days = (“week-end”, “</a:t>
-            </a:r>
-            <a:r>
-              <a:rPr lang="en-US" dirty="0" smtClean="0">
-                <a:latin typeface="Courier New" charset="0"/>
-                <a:cs typeface="+mn-cs"/>
-              </a:rPr>
-              <a:t>Monday”, “Tuesday</a:t>
-            </a:r>
-            <a:r>
-              <a:rPr lang="en-US" dirty="0" smtClean="0">
-                <a:latin typeface="Courier New" charset="0"/>
-                <a:cs typeface="+mn-cs"/>
-              </a:rPr>
-              <a:t>”)</a:t>
-            </a:r>
-            <a:r>
-              <a:rPr lang="en-US" dirty="0" smtClean="0">
-                <a:latin typeface="Courier New" charset="0"/>
-                <a:cs typeface="+mn-cs"/>
-              </a:rPr>
-              <a:t>;</a:t>
+              <a:t>@days = (“week-end”, “Monday”, “Tuesday”);</a:t>
             </a:r>
           </a:p>
           <a:p>
@@ -12737,35 +12679,21 @@
                 <a:latin typeface="Courier New" charset="0"/>
                 <a:cs typeface="+mn-cs"/>
               </a:rPr>
-              <a:t>@</a:t>
+              <a:t>@result = </a:t>
+            </a:r>
+            <a:r>
+              <a:rPr lang="en-US" dirty="0" err="1" smtClean="0">
+                <a:latin typeface="Courier New" charset="0"/>
+                <a:cs typeface="+mn-cs"/>
+              </a:rPr>
+              <a:t>grep</a:t>
             </a:r>
             <a:r>
               <a:rPr lang="en-US" dirty="0" smtClean="0">
                 <a:latin typeface="Courier New" charset="0"/>
                 <a:cs typeface="+mn-cs"/>
               </a:rPr>
-              <a:t>result = </a:t>
-            </a:r>
-            <a:r>
-              <a:rPr lang="en-US" dirty="0" err="1" smtClean="0">
-                <a:latin typeface="Courier New" charset="0"/>
-                <a:cs typeface="+mn-cs"/>
-              </a:rPr>
-              <a:t>grep</a:t>
-            </a:r>
-            <a:r>
-              <a:rPr lang="en-US" dirty="0" smtClean="0">
-                <a:latin typeface="Courier New" charset="0"/>
-                <a:cs typeface="+mn-cs"/>
-              </a:rPr>
-              <a:t> </a:t>
-            </a:r>
-            <a:r>
-              <a:rPr lang="en-US" dirty="0" smtClean="0">
-                <a:latin typeface="Courier New" charset="0"/>
-                <a:cs typeface="+mn-cs"/>
-              </a:rPr>
-              <a:t>(/day/, @days);</a:t>
+              <a:t> (/day/, @days);</a:t>
             </a:r>
             <a:br>
               <a:rPr lang="en-US" dirty="0" smtClean="0">
@@ -12777,13 +12705,7 @@
               <a:rPr lang="en-US" dirty="0" smtClean="0">
                 <a:cs typeface="+mn-cs"/>
               </a:rPr>
-              <a:t>which will populate the array @result with the matching </a:t>
-            </a:r>
-            <a:r>
-              <a:rPr lang="en-US" dirty="0" smtClean="0">
-                <a:cs typeface="+mn-cs"/>
-              </a:rPr>
-              <a:t>elements (</a:t>
+              <a:t>which will populate the array @result with the matching elements (</a:t>
             </a:r>
             <a:r>
               <a:rPr lang="en-US" dirty="0">
@@ -13882,10 +13804,6 @@
               </a:rPr>
               <a:t>#Un-comment any line you would like to test</a:t>
             </a:r>
-            <a:endParaRPr lang="en-US" sz="1800" dirty="0" smtClean="0">
-              <a:latin typeface="Courier New"/>
-              <a:cs typeface="Courier New"/>
-            </a:endParaRPr>
           </a:p>
           <a:p>
             <a:pPr marL="0" indent="0">
